--- a/Apresentação/Apresentação_baixo_nive_V1l.pptx
+++ b/Apresentação/Apresentação_baixo_nive_V1l.pptx
@@ -32113,7 +32113,7 @@
         </p:nvGrpSpPr>
         <p:grpSpPr>
           <a:xfrm>
-            <a:off x="2113965" y="2786259"/>
+            <a:off x="2133809" y="2786259"/>
             <a:ext cx="4876382" cy="2890779"/>
             <a:chOff x="74613" y="588397"/>
             <a:chExt cx="11720927" cy="6948311"/>
